--- a/ppt 16-9/0880.独木不成林.pptx
+++ b/ppt 16-9/0880.独木不成林.pptx
@@ -129,7 +129,7 @@
           <p:cNvPr id="2" name="标题 1">
             <a:extLst>
               <a:ext uri="{FF2B5EF4-FFF2-40B4-BE49-F238E27FC236}">
-                <a16:creationId xmlns:a16="http://schemas.microsoft.com/office/drawing/2014/main" id="{0F25D133-369D-F489-1093-65D916C0C7E7}"/>
+                <a16:creationId xmlns:a16="http://schemas.microsoft.com/office/drawing/2014/main" id="{B70B4F37-3A69-2800-04A2-CD655A0EF9E3}"/>
               </a:ext>
             </a:extLst>
           </p:cNvPr>
@@ -166,7 +166,7 @@
           <p:cNvPr id="3" name="副标题 2">
             <a:extLst>
               <a:ext uri="{FF2B5EF4-FFF2-40B4-BE49-F238E27FC236}">
-                <a16:creationId xmlns:a16="http://schemas.microsoft.com/office/drawing/2014/main" id="{7191EBBA-5D8D-2B2B-74C8-1EBC1EF7BDEB}"/>
+                <a16:creationId xmlns:a16="http://schemas.microsoft.com/office/drawing/2014/main" id="{32812EE7-ABF0-7B49-03AC-27A6CAB1AE44}"/>
               </a:ext>
             </a:extLst>
           </p:cNvPr>
@@ -236,7 +236,7 @@
           <p:cNvPr id="4" name="日期占位符 3">
             <a:extLst>
               <a:ext uri="{FF2B5EF4-FFF2-40B4-BE49-F238E27FC236}">
-                <a16:creationId xmlns:a16="http://schemas.microsoft.com/office/drawing/2014/main" id="{11A1FCA1-BC64-D0FC-5561-6DD266908285}"/>
+                <a16:creationId xmlns:a16="http://schemas.microsoft.com/office/drawing/2014/main" id="{D60FE888-C31A-677A-AACB-3134A4B6009C}"/>
               </a:ext>
             </a:extLst>
           </p:cNvPr>
@@ -252,7 +252,7 @@
           <a:bodyPr/>
           <a:lstStyle/>
           <a:p>
-            <a:fld id="{AA6EB41C-1555-4178-A3F8-62E1A2A00A27}" type="datetimeFigureOut">
+            <a:fld id="{12316FE8-5C19-4EA4-BB7C-7C3D199BDFFA}" type="datetimeFigureOut">
               <a:rPr lang="zh-CN" altLang="en-US" smtClean="0"/>
               <a:t>2024/3/10</a:t>
             </a:fld>
@@ -265,7 +265,7 @@
           <p:cNvPr id="5" name="页脚占位符 4">
             <a:extLst>
               <a:ext uri="{FF2B5EF4-FFF2-40B4-BE49-F238E27FC236}">
-                <a16:creationId xmlns:a16="http://schemas.microsoft.com/office/drawing/2014/main" id="{37FCEBD1-AD7A-35CF-FE34-E719B0121956}"/>
+                <a16:creationId xmlns:a16="http://schemas.microsoft.com/office/drawing/2014/main" id="{C1D56B8B-8769-766E-3FE0-C80406175279}"/>
               </a:ext>
             </a:extLst>
           </p:cNvPr>
@@ -290,7 +290,7 @@
           <p:cNvPr id="6" name="灯片编号占位符 5">
             <a:extLst>
               <a:ext uri="{FF2B5EF4-FFF2-40B4-BE49-F238E27FC236}">
-                <a16:creationId xmlns:a16="http://schemas.microsoft.com/office/drawing/2014/main" id="{57D7B0A9-D7FF-79D0-F476-7C7FA82FB70D}"/>
+                <a16:creationId xmlns:a16="http://schemas.microsoft.com/office/drawing/2014/main" id="{63C92BB7-3B94-A46D-1911-F492F74C4035}"/>
               </a:ext>
             </a:extLst>
           </p:cNvPr>
@@ -306,7 +306,7 @@
           <a:bodyPr/>
           <a:lstStyle/>
           <a:p>
-            <a:fld id="{18357116-D558-4B86-9B25-764EAC8A22C6}" type="slidenum">
+            <a:fld id="{13374049-1F7B-4EFE-9047-ED802F0AA05B}" type="slidenum">
               <a:rPr lang="zh-CN" altLang="en-US" smtClean="0"/>
               <a:t>‹#›</a:t>
             </a:fld>
@@ -317,7 +317,7 @@
     </p:spTree>
     <p:extLst>
       <p:ext uri="{BB962C8B-B14F-4D97-AF65-F5344CB8AC3E}">
-        <p14:creationId xmlns:p14="http://schemas.microsoft.com/office/powerpoint/2010/main" val="2786722522"/>
+        <p14:creationId xmlns:p14="http://schemas.microsoft.com/office/powerpoint/2010/main" val="2469009182"/>
       </p:ext>
     </p:extLst>
   </p:cSld>
@@ -349,7 +349,7 @@
           <p:cNvPr id="2" name="标题 1">
             <a:extLst>
               <a:ext uri="{FF2B5EF4-FFF2-40B4-BE49-F238E27FC236}">
-                <a16:creationId xmlns:a16="http://schemas.microsoft.com/office/drawing/2014/main" id="{EF718BD9-FA11-6D15-0F6E-D5B828901DE7}"/>
+                <a16:creationId xmlns:a16="http://schemas.microsoft.com/office/drawing/2014/main" id="{266DC5B3-1292-BD8C-6ABD-FA5BB7370659}"/>
               </a:ext>
             </a:extLst>
           </p:cNvPr>
@@ -377,7 +377,7 @@
           <p:cNvPr id="3" name="竖排文字占位符 2">
             <a:extLst>
               <a:ext uri="{FF2B5EF4-FFF2-40B4-BE49-F238E27FC236}">
-                <a16:creationId xmlns:a16="http://schemas.microsoft.com/office/drawing/2014/main" id="{C29FFF02-26AC-6491-79D8-9DACC43DC222}"/>
+                <a16:creationId xmlns:a16="http://schemas.microsoft.com/office/drawing/2014/main" id="{F20FD67B-8305-324F-24D6-1775D30EC273}"/>
               </a:ext>
             </a:extLst>
           </p:cNvPr>
@@ -434,7 +434,7 @@
           <p:cNvPr id="4" name="日期占位符 3">
             <a:extLst>
               <a:ext uri="{FF2B5EF4-FFF2-40B4-BE49-F238E27FC236}">
-                <a16:creationId xmlns:a16="http://schemas.microsoft.com/office/drawing/2014/main" id="{5AF276C8-1FCC-91F7-956C-3805ECDC54D9}"/>
+                <a16:creationId xmlns:a16="http://schemas.microsoft.com/office/drawing/2014/main" id="{95F9CF86-CE82-89F0-A65C-3497CCFC4624}"/>
               </a:ext>
             </a:extLst>
           </p:cNvPr>
@@ -450,7 +450,7 @@
           <a:bodyPr/>
           <a:lstStyle/>
           <a:p>
-            <a:fld id="{AA6EB41C-1555-4178-A3F8-62E1A2A00A27}" type="datetimeFigureOut">
+            <a:fld id="{12316FE8-5C19-4EA4-BB7C-7C3D199BDFFA}" type="datetimeFigureOut">
               <a:rPr lang="zh-CN" altLang="en-US" smtClean="0"/>
               <a:t>2024/3/10</a:t>
             </a:fld>
@@ -463,7 +463,7 @@
           <p:cNvPr id="5" name="页脚占位符 4">
             <a:extLst>
               <a:ext uri="{FF2B5EF4-FFF2-40B4-BE49-F238E27FC236}">
-                <a16:creationId xmlns:a16="http://schemas.microsoft.com/office/drawing/2014/main" id="{C22C57E4-309D-0FF7-B945-3B9F73B9063A}"/>
+                <a16:creationId xmlns:a16="http://schemas.microsoft.com/office/drawing/2014/main" id="{6EF82D6B-1417-B62C-2AAA-AE34AB737085}"/>
               </a:ext>
             </a:extLst>
           </p:cNvPr>
@@ -488,7 +488,7 @@
           <p:cNvPr id="6" name="灯片编号占位符 5">
             <a:extLst>
               <a:ext uri="{FF2B5EF4-FFF2-40B4-BE49-F238E27FC236}">
-                <a16:creationId xmlns:a16="http://schemas.microsoft.com/office/drawing/2014/main" id="{D19783B0-6559-5B14-1A52-0532D08A58ED}"/>
+                <a16:creationId xmlns:a16="http://schemas.microsoft.com/office/drawing/2014/main" id="{D5C395D5-FA21-037D-DC0E-D8BC2E99296B}"/>
               </a:ext>
             </a:extLst>
           </p:cNvPr>
@@ -504,7 +504,7 @@
           <a:bodyPr/>
           <a:lstStyle/>
           <a:p>
-            <a:fld id="{18357116-D558-4B86-9B25-764EAC8A22C6}" type="slidenum">
+            <a:fld id="{13374049-1F7B-4EFE-9047-ED802F0AA05B}" type="slidenum">
               <a:rPr lang="zh-CN" altLang="en-US" smtClean="0"/>
               <a:t>‹#›</a:t>
             </a:fld>
@@ -515,7 +515,7 @@
     </p:spTree>
     <p:extLst>
       <p:ext uri="{BB962C8B-B14F-4D97-AF65-F5344CB8AC3E}">
-        <p14:creationId xmlns:p14="http://schemas.microsoft.com/office/powerpoint/2010/main" val="4047744201"/>
+        <p14:creationId xmlns:p14="http://schemas.microsoft.com/office/powerpoint/2010/main" val="333202385"/>
       </p:ext>
     </p:extLst>
   </p:cSld>
@@ -547,7 +547,7 @@
           <p:cNvPr id="2" name="竖排标题 1">
             <a:extLst>
               <a:ext uri="{FF2B5EF4-FFF2-40B4-BE49-F238E27FC236}">
-                <a16:creationId xmlns:a16="http://schemas.microsoft.com/office/drawing/2014/main" id="{65D44222-0687-D4C1-8D8C-B41F96AA0C43}"/>
+                <a16:creationId xmlns:a16="http://schemas.microsoft.com/office/drawing/2014/main" id="{11E7CD75-FE14-E1E0-C995-73151D872E3F}"/>
               </a:ext>
             </a:extLst>
           </p:cNvPr>
@@ -580,7 +580,7 @@
           <p:cNvPr id="3" name="竖排文字占位符 2">
             <a:extLst>
               <a:ext uri="{FF2B5EF4-FFF2-40B4-BE49-F238E27FC236}">
-                <a16:creationId xmlns:a16="http://schemas.microsoft.com/office/drawing/2014/main" id="{7D39C649-2C52-32EF-C6A9-3696DDF10CEA}"/>
+                <a16:creationId xmlns:a16="http://schemas.microsoft.com/office/drawing/2014/main" id="{1ACF3284-A796-2F54-5DCF-D24CB33F18EA}"/>
               </a:ext>
             </a:extLst>
           </p:cNvPr>
@@ -642,7 +642,7 @@
           <p:cNvPr id="4" name="日期占位符 3">
             <a:extLst>
               <a:ext uri="{FF2B5EF4-FFF2-40B4-BE49-F238E27FC236}">
-                <a16:creationId xmlns:a16="http://schemas.microsoft.com/office/drawing/2014/main" id="{88A874E7-0BE6-5793-B75C-BC824ED5F7C9}"/>
+                <a16:creationId xmlns:a16="http://schemas.microsoft.com/office/drawing/2014/main" id="{9E92B635-AE37-428B-3C16-FC91B4B49945}"/>
               </a:ext>
             </a:extLst>
           </p:cNvPr>
@@ -658,7 +658,7 @@
           <a:bodyPr/>
           <a:lstStyle/>
           <a:p>
-            <a:fld id="{AA6EB41C-1555-4178-A3F8-62E1A2A00A27}" type="datetimeFigureOut">
+            <a:fld id="{12316FE8-5C19-4EA4-BB7C-7C3D199BDFFA}" type="datetimeFigureOut">
               <a:rPr lang="zh-CN" altLang="en-US" smtClean="0"/>
               <a:t>2024/3/10</a:t>
             </a:fld>
@@ -671,7 +671,7 @@
           <p:cNvPr id="5" name="页脚占位符 4">
             <a:extLst>
               <a:ext uri="{FF2B5EF4-FFF2-40B4-BE49-F238E27FC236}">
-                <a16:creationId xmlns:a16="http://schemas.microsoft.com/office/drawing/2014/main" id="{9E5D5CEF-5C7F-0200-5EBE-DCCD26169389}"/>
+                <a16:creationId xmlns:a16="http://schemas.microsoft.com/office/drawing/2014/main" id="{AC5441DF-E99F-2611-0FA7-D8A8A4FA1CDC}"/>
               </a:ext>
             </a:extLst>
           </p:cNvPr>
@@ -696,7 +696,7 @@
           <p:cNvPr id="6" name="灯片编号占位符 5">
             <a:extLst>
               <a:ext uri="{FF2B5EF4-FFF2-40B4-BE49-F238E27FC236}">
-                <a16:creationId xmlns:a16="http://schemas.microsoft.com/office/drawing/2014/main" id="{5FDC0910-F611-02B5-64DE-F20B06A7437A}"/>
+                <a16:creationId xmlns:a16="http://schemas.microsoft.com/office/drawing/2014/main" id="{875C823A-EF55-A01B-A810-2AFF63D2C9FD}"/>
               </a:ext>
             </a:extLst>
           </p:cNvPr>
@@ -712,7 +712,7 @@
           <a:bodyPr/>
           <a:lstStyle/>
           <a:p>
-            <a:fld id="{18357116-D558-4B86-9B25-764EAC8A22C6}" type="slidenum">
+            <a:fld id="{13374049-1F7B-4EFE-9047-ED802F0AA05B}" type="slidenum">
               <a:rPr lang="zh-CN" altLang="en-US" smtClean="0"/>
               <a:t>‹#›</a:t>
             </a:fld>
@@ -723,7 +723,7 @@
     </p:spTree>
     <p:extLst>
       <p:ext uri="{BB962C8B-B14F-4D97-AF65-F5344CB8AC3E}">
-        <p14:creationId xmlns:p14="http://schemas.microsoft.com/office/powerpoint/2010/main" val="1495193062"/>
+        <p14:creationId xmlns:p14="http://schemas.microsoft.com/office/powerpoint/2010/main" val="4286466248"/>
       </p:ext>
     </p:extLst>
   </p:cSld>
@@ -755,7 +755,7 @@
           <p:cNvPr id="2" name="标题 1">
             <a:extLst>
               <a:ext uri="{FF2B5EF4-FFF2-40B4-BE49-F238E27FC236}">
-                <a16:creationId xmlns:a16="http://schemas.microsoft.com/office/drawing/2014/main" id="{E9F5D840-EEDF-DDDD-084A-FB80F2BAE4E7}"/>
+                <a16:creationId xmlns:a16="http://schemas.microsoft.com/office/drawing/2014/main" id="{A7268348-1313-1C9A-9B39-8EDB5282FDCB}"/>
               </a:ext>
             </a:extLst>
           </p:cNvPr>
@@ -783,7 +783,7 @@
           <p:cNvPr id="3" name="内容占位符 2">
             <a:extLst>
               <a:ext uri="{FF2B5EF4-FFF2-40B4-BE49-F238E27FC236}">
-                <a16:creationId xmlns:a16="http://schemas.microsoft.com/office/drawing/2014/main" id="{00E4687A-03D5-088A-3A35-52BB9008C930}"/>
+                <a16:creationId xmlns:a16="http://schemas.microsoft.com/office/drawing/2014/main" id="{6AE5301C-FFF7-F724-014B-89410B9A9BAC}"/>
               </a:ext>
             </a:extLst>
           </p:cNvPr>
@@ -840,7 +840,7 @@
           <p:cNvPr id="4" name="日期占位符 3">
             <a:extLst>
               <a:ext uri="{FF2B5EF4-FFF2-40B4-BE49-F238E27FC236}">
-                <a16:creationId xmlns:a16="http://schemas.microsoft.com/office/drawing/2014/main" id="{90FD5BC5-C8C5-DD4E-3AED-A4CD44133124}"/>
+                <a16:creationId xmlns:a16="http://schemas.microsoft.com/office/drawing/2014/main" id="{6A044FBD-FA67-91C9-A01B-3B66CB9EFCC2}"/>
               </a:ext>
             </a:extLst>
           </p:cNvPr>
@@ -856,7 +856,7 @@
           <a:bodyPr/>
           <a:lstStyle/>
           <a:p>
-            <a:fld id="{AA6EB41C-1555-4178-A3F8-62E1A2A00A27}" type="datetimeFigureOut">
+            <a:fld id="{12316FE8-5C19-4EA4-BB7C-7C3D199BDFFA}" type="datetimeFigureOut">
               <a:rPr lang="zh-CN" altLang="en-US" smtClean="0"/>
               <a:t>2024/3/10</a:t>
             </a:fld>
@@ -869,7 +869,7 @@
           <p:cNvPr id="5" name="页脚占位符 4">
             <a:extLst>
               <a:ext uri="{FF2B5EF4-FFF2-40B4-BE49-F238E27FC236}">
-                <a16:creationId xmlns:a16="http://schemas.microsoft.com/office/drawing/2014/main" id="{C86AC936-71C4-582C-FDB8-3A516D9E39DD}"/>
+                <a16:creationId xmlns:a16="http://schemas.microsoft.com/office/drawing/2014/main" id="{D538F016-CD7F-4862-8F3B-D9B653320A84}"/>
               </a:ext>
             </a:extLst>
           </p:cNvPr>
@@ -894,7 +894,7 @@
           <p:cNvPr id="6" name="灯片编号占位符 5">
             <a:extLst>
               <a:ext uri="{FF2B5EF4-FFF2-40B4-BE49-F238E27FC236}">
-                <a16:creationId xmlns:a16="http://schemas.microsoft.com/office/drawing/2014/main" id="{1797A846-AF22-533A-D486-0ED596F74322}"/>
+                <a16:creationId xmlns:a16="http://schemas.microsoft.com/office/drawing/2014/main" id="{317A61BF-BE48-7F3F-80F7-FAB3C048FBFC}"/>
               </a:ext>
             </a:extLst>
           </p:cNvPr>
@@ -910,7 +910,7 @@
           <a:bodyPr/>
           <a:lstStyle/>
           <a:p>
-            <a:fld id="{18357116-D558-4B86-9B25-764EAC8A22C6}" type="slidenum">
+            <a:fld id="{13374049-1F7B-4EFE-9047-ED802F0AA05B}" type="slidenum">
               <a:rPr lang="zh-CN" altLang="en-US" smtClean="0"/>
               <a:t>‹#›</a:t>
             </a:fld>
@@ -921,7 +921,7 @@
     </p:spTree>
     <p:extLst>
       <p:ext uri="{BB962C8B-B14F-4D97-AF65-F5344CB8AC3E}">
-        <p14:creationId xmlns:p14="http://schemas.microsoft.com/office/powerpoint/2010/main" val="3495950713"/>
+        <p14:creationId xmlns:p14="http://schemas.microsoft.com/office/powerpoint/2010/main" val="1682221161"/>
       </p:ext>
     </p:extLst>
   </p:cSld>
@@ -953,7 +953,7 @@
           <p:cNvPr id="2" name="标题 1">
             <a:extLst>
               <a:ext uri="{FF2B5EF4-FFF2-40B4-BE49-F238E27FC236}">
-                <a16:creationId xmlns:a16="http://schemas.microsoft.com/office/drawing/2014/main" id="{4CD771FD-3542-C320-6673-41F3BF4DC341}"/>
+                <a16:creationId xmlns:a16="http://schemas.microsoft.com/office/drawing/2014/main" id="{1A7D0891-CEC1-E22B-E4D4-A42407E7790B}"/>
               </a:ext>
             </a:extLst>
           </p:cNvPr>
@@ -990,7 +990,7 @@
           <p:cNvPr id="3" name="文本占位符 2">
             <a:extLst>
               <a:ext uri="{FF2B5EF4-FFF2-40B4-BE49-F238E27FC236}">
-                <a16:creationId xmlns:a16="http://schemas.microsoft.com/office/drawing/2014/main" id="{7B68DDC3-1717-1FA2-7AEE-BFD0E32EADF8}"/>
+                <a16:creationId xmlns:a16="http://schemas.microsoft.com/office/drawing/2014/main" id="{22638487-23E1-59CC-0C12-1C77F508A5AD}"/>
               </a:ext>
             </a:extLst>
           </p:cNvPr>
@@ -1115,7 +1115,7 @@
           <p:cNvPr id="4" name="日期占位符 3">
             <a:extLst>
               <a:ext uri="{FF2B5EF4-FFF2-40B4-BE49-F238E27FC236}">
-                <a16:creationId xmlns:a16="http://schemas.microsoft.com/office/drawing/2014/main" id="{2AA07FA3-EBD2-DD1B-3C36-C1C3EF8F2350}"/>
+                <a16:creationId xmlns:a16="http://schemas.microsoft.com/office/drawing/2014/main" id="{5BC32B8A-5F10-F996-6C9B-3566DC56EF44}"/>
               </a:ext>
             </a:extLst>
           </p:cNvPr>
@@ -1131,7 +1131,7 @@
           <a:bodyPr/>
           <a:lstStyle/>
           <a:p>
-            <a:fld id="{AA6EB41C-1555-4178-A3F8-62E1A2A00A27}" type="datetimeFigureOut">
+            <a:fld id="{12316FE8-5C19-4EA4-BB7C-7C3D199BDFFA}" type="datetimeFigureOut">
               <a:rPr lang="zh-CN" altLang="en-US" smtClean="0"/>
               <a:t>2024/3/10</a:t>
             </a:fld>
@@ -1144,7 +1144,7 @@
           <p:cNvPr id="5" name="页脚占位符 4">
             <a:extLst>
               <a:ext uri="{FF2B5EF4-FFF2-40B4-BE49-F238E27FC236}">
-                <a16:creationId xmlns:a16="http://schemas.microsoft.com/office/drawing/2014/main" id="{3D8CDE6A-FDC2-3FDD-B3DE-BBC03749315C}"/>
+                <a16:creationId xmlns:a16="http://schemas.microsoft.com/office/drawing/2014/main" id="{58374367-0574-7F69-1881-71332A804F5F}"/>
               </a:ext>
             </a:extLst>
           </p:cNvPr>
@@ -1169,7 +1169,7 @@
           <p:cNvPr id="6" name="灯片编号占位符 5">
             <a:extLst>
               <a:ext uri="{FF2B5EF4-FFF2-40B4-BE49-F238E27FC236}">
-                <a16:creationId xmlns:a16="http://schemas.microsoft.com/office/drawing/2014/main" id="{26B3CCF2-1110-B12E-C099-1AB338F0D02E}"/>
+                <a16:creationId xmlns:a16="http://schemas.microsoft.com/office/drawing/2014/main" id="{BE21FFCB-3325-442D-EC8F-765321A5AF38}"/>
               </a:ext>
             </a:extLst>
           </p:cNvPr>
@@ -1185,7 +1185,7 @@
           <a:bodyPr/>
           <a:lstStyle/>
           <a:p>
-            <a:fld id="{18357116-D558-4B86-9B25-764EAC8A22C6}" type="slidenum">
+            <a:fld id="{13374049-1F7B-4EFE-9047-ED802F0AA05B}" type="slidenum">
               <a:rPr lang="zh-CN" altLang="en-US" smtClean="0"/>
               <a:t>‹#›</a:t>
             </a:fld>
@@ -1196,7 +1196,7 @@
     </p:spTree>
     <p:extLst>
       <p:ext uri="{BB962C8B-B14F-4D97-AF65-F5344CB8AC3E}">
-        <p14:creationId xmlns:p14="http://schemas.microsoft.com/office/powerpoint/2010/main" val="411298186"/>
+        <p14:creationId xmlns:p14="http://schemas.microsoft.com/office/powerpoint/2010/main" val="2286881064"/>
       </p:ext>
     </p:extLst>
   </p:cSld>
@@ -1228,7 +1228,7 @@
           <p:cNvPr id="2" name="标题 1">
             <a:extLst>
               <a:ext uri="{FF2B5EF4-FFF2-40B4-BE49-F238E27FC236}">
-                <a16:creationId xmlns:a16="http://schemas.microsoft.com/office/drawing/2014/main" id="{C76B1E0B-43A0-62EB-F108-2014DAE682C7}"/>
+                <a16:creationId xmlns:a16="http://schemas.microsoft.com/office/drawing/2014/main" id="{383A1D4C-59CE-2EE6-3B44-D16C8D45BF74}"/>
               </a:ext>
             </a:extLst>
           </p:cNvPr>
@@ -1256,7 +1256,7 @@
           <p:cNvPr id="3" name="内容占位符 2">
             <a:extLst>
               <a:ext uri="{FF2B5EF4-FFF2-40B4-BE49-F238E27FC236}">
-                <a16:creationId xmlns:a16="http://schemas.microsoft.com/office/drawing/2014/main" id="{26382255-7A6A-C6B4-6D32-738F41F9C1AA}"/>
+                <a16:creationId xmlns:a16="http://schemas.microsoft.com/office/drawing/2014/main" id="{12D07B5F-7E30-BFB6-5AD2-F75FBE9E8246}"/>
               </a:ext>
             </a:extLst>
           </p:cNvPr>
@@ -1318,7 +1318,7 @@
           <p:cNvPr id="4" name="内容占位符 3">
             <a:extLst>
               <a:ext uri="{FF2B5EF4-FFF2-40B4-BE49-F238E27FC236}">
-                <a16:creationId xmlns:a16="http://schemas.microsoft.com/office/drawing/2014/main" id="{24E8F3C4-9115-8230-C0E4-8CD13ED7CB72}"/>
+                <a16:creationId xmlns:a16="http://schemas.microsoft.com/office/drawing/2014/main" id="{D5B06B9D-E19D-6561-DAD0-60096D13B204}"/>
               </a:ext>
             </a:extLst>
           </p:cNvPr>
@@ -1380,7 +1380,7 @@
           <p:cNvPr id="5" name="日期占位符 4">
             <a:extLst>
               <a:ext uri="{FF2B5EF4-FFF2-40B4-BE49-F238E27FC236}">
-                <a16:creationId xmlns:a16="http://schemas.microsoft.com/office/drawing/2014/main" id="{2BA9B398-8DD1-BF91-BE77-244ADFBCED17}"/>
+                <a16:creationId xmlns:a16="http://schemas.microsoft.com/office/drawing/2014/main" id="{5DD5A074-3385-B283-E9F9-AA7E0944A2B2}"/>
               </a:ext>
             </a:extLst>
           </p:cNvPr>
@@ -1396,7 +1396,7 @@
           <a:bodyPr/>
           <a:lstStyle/>
           <a:p>
-            <a:fld id="{AA6EB41C-1555-4178-A3F8-62E1A2A00A27}" type="datetimeFigureOut">
+            <a:fld id="{12316FE8-5C19-4EA4-BB7C-7C3D199BDFFA}" type="datetimeFigureOut">
               <a:rPr lang="zh-CN" altLang="en-US" smtClean="0"/>
               <a:t>2024/3/10</a:t>
             </a:fld>
@@ -1409,7 +1409,7 @@
           <p:cNvPr id="6" name="页脚占位符 5">
             <a:extLst>
               <a:ext uri="{FF2B5EF4-FFF2-40B4-BE49-F238E27FC236}">
-                <a16:creationId xmlns:a16="http://schemas.microsoft.com/office/drawing/2014/main" id="{522E2FC9-F18A-4D28-44F7-D5F8C34D7501}"/>
+                <a16:creationId xmlns:a16="http://schemas.microsoft.com/office/drawing/2014/main" id="{4FFDE1CC-2917-F366-7F3D-7ED5ADD917D3}"/>
               </a:ext>
             </a:extLst>
           </p:cNvPr>
@@ -1434,7 +1434,7 @@
           <p:cNvPr id="7" name="灯片编号占位符 6">
             <a:extLst>
               <a:ext uri="{FF2B5EF4-FFF2-40B4-BE49-F238E27FC236}">
-                <a16:creationId xmlns:a16="http://schemas.microsoft.com/office/drawing/2014/main" id="{B26CACD2-9D7A-EDA4-B2EA-75C02FC0F666}"/>
+                <a16:creationId xmlns:a16="http://schemas.microsoft.com/office/drawing/2014/main" id="{FA803761-D081-2F46-3F68-6FC73048EC3D}"/>
               </a:ext>
             </a:extLst>
           </p:cNvPr>
@@ -1450,7 +1450,7 @@
           <a:bodyPr/>
           <a:lstStyle/>
           <a:p>
-            <a:fld id="{18357116-D558-4B86-9B25-764EAC8A22C6}" type="slidenum">
+            <a:fld id="{13374049-1F7B-4EFE-9047-ED802F0AA05B}" type="slidenum">
               <a:rPr lang="zh-CN" altLang="en-US" smtClean="0"/>
               <a:t>‹#›</a:t>
             </a:fld>
@@ -1461,7 +1461,7 @@
     </p:spTree>
     <p:extLst>
       <p:ext uri="{BB962C8B-B14F-4D97-AF65-F5344CB8AC3E}">
-        <p14:creationId xmlns:p14="http://schemas.microsoft.com/office/powerpoint/2010/main" val="2989238762"/>
+        <p14:creationId xmlns:p14="http://schemas.microsoft.com/office/powerpoint/2010/main" val="88126614"/>
       </p:ext>
     </p:extLst>
   </p:cSld>
@@ -1493,7 +1493,7 @@
           <p:cNvPr id="2" name="标题 1">
             <a:extLst>
               <a:ext uri="{FF2B5EF4-FFF2-40B4-BE49-F238E27FC236}">
-                <a16:creationId xmlns:a16="http://schemas.microsoft.com/office/drawing/2014/main" id="{612796F3-C629-34D7-84FF-30FD6229ECE5}"/>
+                <a16:creationId xmlns:a16="http://schemas.microsoft.com/office/drawing/2014/main" id="{CAC2B7BD-3259-B383-AEEB-6D9A752DC02A}"/>
               </a:ext>
             </a:extLst>
           </p:cNvPr>
@@ -1526,7 +1526,7 @@
           <p:cNvPr id="3" name="文本占位符 2">
             <a:extLst>
               <a:ext uri="{FF2B5EF4-FFF2-40B4-BE49-F238E27FC236}">
-                <a16:creationId xmlns:a16="http://schemas.microsoft.com/office/drawing/2014/main" id="{93431FF0-CB0B-274B-C4A4-B578FFEA381B}"/>
+                <a16:creationId xmlns:a16="http://schemas.microsoft.com/office/drawing/2014/main" id="{CACD94B8-B8BD-6488-9E84-D3350B5C6E33}"/>
               </a:ext>
             </a:extLst>
           </p:cNvPr>
@@ -1597,7 +1597,7 @@
           <p:cNvPr id="4" name="内容占位符 3">
             <a:extLst>
               <a:ext uri="{FF2B5EF4-FFF2-40B4-BE49-F238E27FC236}">
-                <a16:creationId xmlns:a16="http://schemas.microsoft.com/office/drawing/2014/main" id="{8117CB55-D831-AB5F-62A3-A2947FFDF9F8}"/>
+                <a16:creationId xmlns:a16="http://schemas.microsoft.com/office/drawing/2014/main" id="{DF3148BD-0720-9A98-9542-51712269A532}"/>
               </a:ext>
             </a:extLst>
           </p:cNvPr>
@@ -1659,7 +1659,7 @@
           <p:cNvPr id="5" name="文本占位符 4">
             <a:extLst>
               <a:ext uri="{FF2B5EF4-FFF2-40B4-BE49-F238E27FC236}">
-                <a16:creationId xmlns:a16="http://schemas.microsoft.com/office/drawing/2014/main" id="{ECE18DEF-AD5B-8F9B-714B-AF03436944FC}"/>
+                <a16:creationId xmlns:a16="http://schemas.microsoft.com/office/drawing/2014/main" id="{D6ACAD7D-C8E1-8779-D420-CCF915ADC5F9}"/>
               </a:ext>
             </a:extLst>
           </p:cNvPr>
@@ -1730,7 +1730,7 @@
           <p:cNvPr id="6" name="内容占位符 5">
             <a:extLst>
               <a:ext uri="{FF2B5EF4-FFF2-40B4-BE49-F238E27FC236}">
-                <a16:creationId xmlns:a16="http://schemas.microsoft.com/office/drawing/2014/main" id="{E0C2F24D-8F01-D48E-AAA4-6AE92B2CFEE1}"/>
+                <a16:creationId xmlns:a16="http://schemas.microsoft.com/office/drawing/2014/main" id="{B2116C43-84A3-82F6-22E2-5A04E1FDF429}"/>
               </a:ext>
             </a:extLst>
           </p:cNvPr>
@@ -1792,7 +1792,7 @@
           <p:cNvPr id="7" name="日期占位符 6">
             <a:extLst>
               <a:ext uri="{FF2B5EF4-FFF2-40B4-BE49-F238E27FC236}">
-                <a16:creationId xmlns:a16="http://schemas.microsoft.com/office/drawing/2014/main" id="{83ECEB73-000C-95DA-04D0-2D7337815C62}"/>
+                <a16:creationId xmlns:a16="http://schemas.microsoft.com/office/drawing/2014/main" id="{5DD73C57-44A7-5AE4-5687-B8A5416F6BFB}"/>
               </a:ext>
             </a:extLst>
           </p:cNvPr>
@@ -1808,7 +1808,7 @@
           <a:bodyPr/>
           <a:lstStyle/>
           <a:p>
-            <a:fld id="{AA6EB41C-1555-4178-A3F8-62E1A2A00A27}" type="datetimeFigureOut">
+            <a:fld id="{12316FE8-5C19-4EA4-BB7C-7C3D199BDFFA}" type="datetimeFigureOut">
               <a:rPr lang="zh-CN" altLang="en-US" smtClean="0"/>
               <a:t>2024/3/10</a:t>
             </a:fld>
@@ -1821,7 +1821,7 @@
           <p:cNvPr id="8" name="页脚占位符 7">
             <a:extLst>
               <a:ext uri="{FF2B5EF4-FFF2-40B4-BE49-F238E27FC236}">
-                <a16:creationId xmlns:a16="http://schemas.microsoft.com/office/drawing/2014/main" id="{3363B3C7-D032-F609-EA83-F37202DA8229}"/>
+                <a16:creationId xmlns:a16="http://schemas.microsoft.com/office/drawing/2014/main" id="{2E3B0984-E469-8771-7DF6-128F52D674A8}"/>
               </a:ext>
             </a:extLst>
           </p:cNvPr>
@@ -1846,7 +1846,7 @@
           <p:cNvPr id="9" name="灯片编号占位符 8">
             <a:extLst>
               <a:ext uri="{FF2B5EF4-FFF2-40B4-BE49-F238E27FC236}">
-                <a16:creationId xmlns:a16="http://schemas.microsoft.com/office/drawing/2014/main" id="{EEF893D2-4AE2-B33F-1EEF-1313200B5435}"/>
+                <a16:creationId xmlns:a16="http://schemas.microsoft.com/office/drawing/2014/main" id="{169DA9A4-97F9-4580-CCB4-D5A3FD53FC1C}"/>
               </a:ext>
             </a:extLst>
           </p:cNvPr>
@@ -1862,7 +1862,7 @@
           <a:bodyPr/>
           <a:lstStyle/>
           <a:p>
-            <a:fld id="{18357116-D558-4B86-9B25-764EAC8A22C6}" type="slidenum">
+            <a:fld id="{13374049-1F7B-4EFE-9047-ED802F0AA05B}" type="slidenum">
               <a:rPr lang="zh-CN" altLang="en-US" smtClean="0"/>
               <a:t>‹#›</a:t>
             </a:fld>
@@ -1873,7 +1873,7 @@
     </p:spTree>
     <p:extLst>
       <p:ext uri="{BB962C8B-B14F-4D97-AF65-F5344CB8AC3E}">
-        <p14:creationId xmlns:p14="http://schemas.microsoft.com/office/powerpoint/2010/main" val="2469240056"/>
+        <p14:creationId xmlns:p14="http://schemas.microsoft.com/office/powerpoint/2010/main" val="35256064"/>
       </p:ext>
     </p:extLst>
   </p:cSld>
@@ -1905,7 +1905,7 @@
           <p:cNvPr id="2" name="标题 1">
             <a:extLst>
               <a:ext uri="{FF2B5EF4-FFF2-40B4-BE49-F238E27FC236}">
-                <a16:creationId xmlns:a16="http://schemas.microsoft.com/office/drawing/2014/main" id="{66AD0391-E40E-2E6F-888D-DCD81EB18BAB}"/>
+                <a16:creationId xmlns:a16="http://schemas.microsoft.com/office/drawing/2014/main" id="{E545E425-3B2A-0A7D-CB53-6B5077702D99}"/>
               </a:ext>
             </a:extLst>
           </p:cNvPr>
@@ -1933,7 +1933,7 @@
           <p:cNvPr id="3" name="日期占位符 2">
             <a:extLst>
               <a:ext uri="{FF2B5EF4-FFF2-40B4-BE49-F238E27FC236}">
-                <a16:creationId xmlns:a16="http://schemas.microsoft.com/office/drawing/2014/main" id="{0E8C5746-2E03-5386-CF4E-D9F8224EFBD6}"/>
+                <a16:creationId xmlns:a16="http://schemas.microsoft.com/office/drawing/2014/main" id="{6C796329-DDDB-3E62-7B5F-92C6FB9A0F60}"/>
               </a:ext>
             </a:extLst>
           </p:cNvPr>
@@ -1949,7 +1949,7 @@
           <a:bodyPr/>
           <a:lstStyle/>
           <a:p>
-            <a:fld id="{AA6EB41C-1555-4178-A3F8-62E1A2A00A27}" type="datetimeFigureOut">
+            <a:fld id="{12316FE8-5C19-4EA4-BB7C-7C3D199BDFFA}" type="datetimeFigureOut">
               <a:rPr lang="zh-CN" altLang="en-US" smtClean="0"/>
               <a:t>2024/3/10</a:t>
             </a:fld>
@@ -1962,7 +1962,7 @@
           <p:cNvPr id="4" name="页脚占位符 3">
             <a:extLst>
               <a:ext uri="{FF2B5EF4-FFF2-40B4-BE49-F238E27FC236}">
-                <a16:creationId xmlns:a16="http://schemas.microsoft.com/office/drawing/2014/main" id="{25973C26-6268-974B-6F44-EF4BCC73DA66}"/>
+                <a16:creationId xmlns:a16="http://schemas.microsoft.com/office/drawing/2014/main" id="{25AC8B31-6252-6489-80A2-3451DE5ADAC8}"/>
               </a:ext>
             </a:extLst>
           </p:cNvPr>
@@ -1987,7 +1987,7 @@
           <p:cNvPr id="5" name="灯片编号占位符 4">
             <a:extLst>
               <a:ext uri="{FF2B5EF4-FFF2-40B4-BE49-F238E27FC236}">
-                <a16:creationId xmlns:a16="http://schemas.microsoft.com/office/drawing/2014/main" id="{2E499672-CF8A-4C34-C3E4-440E35606BC8}"/>
+                <a16:creationId xmlns:a16="http://schemas.microsoft.com/office/drawing/2014/main" id="{824FFAED-AF72-7DFB-C864-7407156BC18E}"/>
               </a:ext>
             </a:extLst>
           </p:cNvPr>
@@ -2003,7 +2003,7 @@
           <a:bodyPr/>
           <a:lstStyle/>
           <a:p>
-            <a:fld id="{18357116-D558-4B86-9B25-764EAC8A22C6}" type="slidenum">
+            <a:fld id="{13374049-1F7B-4EFE-9047-ED802F0AA05B}" type="slidenum">
               <a:rPr lang="zh-CN" altLang="en-US" smtClean="0"/>
               <a:t>‹#›</a:t>
             </a:fld>
@@ -2014,7 +2014,7 @@
     </p:spTree>
     <p:extLst>
       <p:ext uri="{BB962C8B-B14F-4D97-AF65-F5344CB8AC3E}">
-        <p14:creationId xmlns:p14="http://schemas.microsoft.com/office/powerpoint/2010/main" val="3302595299"/>
+        <p14:creationId xmlns:p14="http://schemas.microsoft.com/office/powerpoint/2010/main" val="44532718"/>
       </p:ext>
     </p:extLst>
   </p:cSld>
@@ -2046,7 +2046,7 @@
           <p:cNvPr id="2" name="日期占位符 1">
             <a:extLst>
               <a:ext uri="{FF2B5EF4-FFF2-40B4-BE49-F238E27FC236}">
-                <a16:creationId xmlns:a16="http://schemas.microsoft.com/office/drawing/2014/main" id="{7F0B73AC-1F22-9537-31C2-07D9B4F02AF1}"/>
+                <a16:creationId xmlns:a16="http://schemas.microsoft.com/office/drawing/2014/main" id="{E239A978-7396-411C-0C7A-F43DF00F24BF}"/>
               </a:ext>
             </a:extLst>
           </p:cNvPr>
@@ -2062,7 +2062,7 @@
           <a:bodyPr/>
           <a:lstStyle/>
           <a:p>
-            <a:fld id="{AA6EB41C-1555-4178-A3F8-62E1A2A00A27}" type="datetimeFigureOut">
+            <a:fld id="{12316FE8-5C19-4EA4-BB7C-7C3D199BDFFA}" type="datetimeFigureOut">
               <a:rPr lang="zh-CN" altLang="en-US" smtClean="0"/>
               <a:t>2024/3/10</a:t>
             </a:fld>
@@ -2075,7 +2075,7 @@
           <p:cNvPr id="3" name="页脚占位符 2">
             <a:extLst>
               <a:ext uri="{FF2B5EF4-FFF2-40B4-BE49-F238E27FC236}">
-                <a16:creationId xmlns:a16="http://schemas.microsoft.com/office/drawing/2014/main" id="{96C33130-D440-484B-F160-A4599A36790E}"/>
+                <a16:creationId xmlns:a16="http://schemas.microsoft.com/office/drawing/2014/main" id="{96B7391E-E8C2-D23F-E771-740EB10B975A}"/>
               </a:ext>
             </a:extLst>
           </p:cNvPr>
@@ -2100,7 +2100,7 @@
           <p:cNvPr id="4" name="灯片编号占位符 3">
             <a:extLst>
               <a:ext uri="{FF2B5EF4-FFF2-40B4-BE49-F238E27FC236}">
-                <a16:creationId xmlns:a16="http://schemas.microsoft.com/office/drawing/2014/main" id="{5080E376-6A43-9E2A-8AA6-1A8564257687}"/>
+                <a16:creationId xmlns:a16="http://schemas.microsoft.com/office/drawing/2014/main" id="{AE55D858-9741-4AB8-D77F-5F1C07F52A45}"/>
               </a:ext>
             </a:extLst>
           </p:cNvPr>
@@ -2116,7 +2116,7 @@
           <a:bodyPr/>
           <a:lstStyle/>
           <a:p>
-            <a:fld id="{18357116-D558-4B86-9B25-764EAC8A22C6}" type="slidenum">
+            <a:fld id="{13374049-1F7B-4EFE-9047-ED802F0AA05B}" type="slidenum">
               <a:rPr lang="zh-CN" altLang="en-US" smtClean="0"/>
               <a:t>‹#›</a:t>
             </a:fld>
@@ -2127,7 +2127,7 @@
     </p:spTree>
     <p:extLst>
       <p:ext uri="{BB962C8B-B14F-4D97-AF65-F5344CB8AC3E}">
-        <p14:creationId xmlns:p14="http://schemas.microsoft.com/office/powerpoint/2010/main" val="2858309950"/>
+        <p14:creationId xmlns:p14="http://schemas.microsoft.com/office/powerpoint/2010/main" val="1658349049"/>
       </p:ext>
     </p:extLst>
   </p:cSld>
@@ -2159,7 +2159,7 @@
           <p:cNvPr id="2" name="标题 1">
             <a:extLst>
               <a:ext uri="{FF2B5EF4-FFF2-40B4-BE49-F238E27FC236}">
-                <a16:creationId xmlns:a16="http://schemas.microsoft.com/office/drawing/2014/main" id="{4288A4A7-6F32-3EF1-029A-B9D4D7A79B29}"/>
+                <a16:creationId xmlns:a16="http://schemas.microsoft.com/office/drawing/2014/main" id="{BF596420-85B9-2FE4-E750-F1DB3601EE40}"/>
               </a:ext>
             </a:extLst>
           </p:cNvPr>
@@ -2196,7 +2196,7 @@
           <p:cNvPr id="3" name="内容占位符 2">
             <a:extLst>
               <a:ext uri="{FF2B5EF4-FFF2-40B4-BE49-F238E27FC236}">
-                <a16:creationId xmlns:a16="http://schemas.microsoft.com/office/drawing/2014/main" id="{465C6358-7055-E187-B077-88E9CC434BEC}"/>
+                <a16:creationId xmlns:a16="http://schemas.microsoft.com/office/drawing/2014/main" id="{F18BCE3E-2A9F-0FA3-E0B0-3FDE4316BF02}"/>
               </a:ext>
             </a:extLst>
           </p:cNvPr>
@@ -2286,7 +2286,7 @@
           <p:cNvPr id="4" name="文本占位符 3">
             <a:extLst>
               <a:ext uri="{FF2B5EF4-FFF2-40B4-BE49-F238E27FC236}">
-                <a16:creationId xmlns:a16="http://schemas.microsoft.com/office/drawing/2014/main" id="{EA876FB9-D3F6-FD1D-D49E-73F2F272E37A}"/>
+                <a16:creationId xmlns:a16="http://schemas.microsoft.com/office/drawing/2014/main" id="{C1A310C6-A51E-2EF5-10AB-C9D86C38B964}"/>
               </a:ext>
             </a:extLst>
           </p:cNvPr>
@@ -2357,7 +2357,7 @@
           <p:cNvPr id="5" name="日期占位符 4">
             <a:extLst>
               <a:ext uri="{FF2B5EF4-FFF2-40B4-BE49-F238E27FC236}">
-                <a16:creationId xmlns:a16="http://schemas.microsoft.com/office/drawing/2014/main" id="{C7C1DC8D-F453-83BB-24C8-5EE2F2FDB46A}"/>
+                <a16:creationId xmlns:a16="http://schemas.microsoft.com/office/drawing/2014/main" id="{3A63AA26-B31D-E5C8-24E6-9981EEF2634C}"/>
               </a:ext>
             </a:extLst>
           </p:cNvPr>
@@ -2373,7 +2373,7 @@
           <a:bodyPr/>
           <a:lstStyle/>
           <a:p>
-            <a:fld id="{AA6EB41C-1555-4178-A3F8-62E1A2A00A27}" type="datetimeFigureOut">
+            <a:fld id="{12316FE8-5C19-4EA4-BB7C-7C3D199BDFFA}" type="datetimeFigureOut">
               <a:rPr lang="zh-CN" altLang="en-US" smtClean="0"/>
               <a:t>2024/3/10</a:t>
             </a:fld>
@@ -2386,7 +2386,7 @@
           <p:cNvPr id="6" name="页脚占位符 5">
             <a:extLst>
               <a:ext uri="{FF2B5EF4-FFF2-40B4-BE49-F238E27FC236}">
-                <a16:creationId xmlns:a16="http://schemas.microsoft.com/office/drawing/2014/main" id="{81148B2E-858D-21A6-9BAF-E205B6B1DA71}"/>
+                <a16:creationId xmlns:a16="http://schemas.microsoft.com/office/drawing/2014/main" id="{35C13868-EE79-4DA0-31DD-D26C2AA8CB9D}"/>
               </a:ext>
             </a:extLst>
           </p:cNvPr>
@@ -2411,7 +2411,7 @@
           <p:cNvPr id="7" name="灯片编号占位符 6">
             <a:extLst>
               <a:ext uri="{FF2B5EF4-FFF2-40B4-BE49-F238E27FC236}">
-                <a16:creationId xmlns:a16="http://schemas.microsoft.com/office/drawing/2014/main" id="{98718D17-C231-594C-78A4-364C29690CFE}"/>
+                <a16:creationId xmlns:a16="http://schemas.microsoft.com/office/drawing/2014/main" id="{FBA0E10B-6A50-6B58-3198-DE7CEBE82B2B}"/>
               </a:ext>
             </a:extLst>
           </p:cNvPr>
@@ -2427,7 +2427,7 @@
           <a:bodyPr/>
           <a:lstStyle/>
           <a:p>
-            <a:fld id="{18357116-D558-4B86-9B25-764EAC8A22C6}" type="slidenum">
+            <a:fld id="{13374049-1F7B-4EFE-9047-ED802F0AA05B}" type="slidenum">
               <a:rPr lang="zh-CN" altLang="en-US" smtClean="0"/>
               <a:t>‹#›</a:t>
             </a:fld>
@@ -2438,7 +2438,7 @@
     </p:spTree>
     <p:extLst>
       <p:ext uri="{BB962C8B-B14F-4D97-AF65-F5344CB8AC3E}">
-        <p14:creationId xmlns:p14="http://schemas.microsoft.com/office/powerpoint/2010/main" val="1644726593"/>
+        <p14:creationId xmlns:p14="http://schemas.microsoft.com/office/powerpoint/2010/main" val="3935545903"/>
       </p:ext>
     </p:extLst>
   </p:cSld>
@@ -2470,7 +2470,7 @@
           <p:cNvPr id="2" name="标题 1">
             <a:extLst>
               <a:ext uri="{FF2B5EF4-FFF2-40B4-BE49-F238E27FC236}">
-                <a16:creationId xmlns:a16="http://schemas.microsoft.com/office/drawing/2014/main" id="{70BFAFB3-A9A9-DA3C-A799-7E7FD9D87755}"/>
+                <a16:creationId xmlns:a16="http://schemas.microsoft.com/office/drawing/2014/main" id="{69105DA4-0B19-9239-3661-A11C0970A14C}"/>
               </a:ext>
             </a:extLst>
           </p:cNvPr>
@@ -2507,7 +2507,7 @@
           <p:cNvPr id="3" name="图片占位符 2">
             <a:extLst>
               <a:ext uri="{FF2B5EF4-FFF2-40B4-BE49-F238E27FC236}">
-                <a16:creationId xmlns:a16="http://schemas.microsoft.com/office/drawing/2014/main" id="{58393D6C-F5AF-AFE2-D392-17FC2F71D056}"/>
+                <a16:creationId xmlns:a16="http://schemas.microsoft.com/office/drawing/2014/main" id="{CE94C3A8-6436-3CBE-91CA-66A46C8044F5}"/>
               </a:ext>
             </a:extLst>
           </p:cNvPr>
@@ -2574,7 +2574,7 @@
           <p:cNvPr id="4" name="文本占位符 3">
             <a:extLst>
               <a:ext uri="{FF2B5EF4-FFF2-40B4-BE49-F238E27FC236}">
-                <a16:creationId xmlns:a16="http://schemas.microsoft.com/office/drawing/2014/main" id="{172B741F-C0A4-715B-EA0C-FB42AFFEDA28}"/>
+                <a16:creationId xmlns:a16="http://schemas.microsoft.com/office/drawing/2014/main" id="{1A79474D-287E-5BC1-AAFC-24D3605E22A9}"/>
               </a:ext>
             </a:extLst>
           </p:cNvPr>
@@ -2645,7 +2645,7 @@
           <p:cNvPr id="5" name="日期占位符 4">
             <a:extLst>
               <a:ext uri="{FF2B5EF4-FFF2-40B4-BE49-F238E27FC236}">
-                <a16:creationId xmlns:a16="http://schemas.microsoft.com/office/drawing/2014/main" id="{D5FFB31A-6CD1-5408-DDC5-F364555E5FDF}"/>
+                <a16:creationId xmlns:a16="http://schemas.microsoft.com/office/drawing/2014/main" id="{C59331FD-9D1E-D345-81D9-578978A09917}"/>
               </a:ext>
             </a:extLst>
           </p:cNvPr>
@@ -2661,7 +2661,7 @@
           <a:bodyPr/>
           <a:lstStyle/>
           <a:p>
-            <a:fld id="{AA6EB41C-1555-4178-A3F8-62E1A2A00A27}" type="datetimeFigureOut">
+            <a:fld id="{12316FE8-5C19-4EA4-BB7C-7C3D199BDFFA}" type="datetimeFigureOut">
               <a:rPr lang="zh-CN" altLang="en-US" smtClean="0"/>
               <a:t>2024/3/10</a:t>
             </a:fld>
@@ -2674,7 +2674,7 @@
           <p:cNvPr id="6" name="页脚占位符 5">
             <a:extLst>
               <a:ext uri="{FF2B5EF4-FFF2-40B4-BE49-F238E27FC236}">
-                <a16:creationId xmlns:a16="http://schemas.microsoft.com/office/drawing/2014/main" id="{1AED91D9-89ED-2C28-E00D-BDCE9A89E23E}"/>
+                <a16:creationId xmlns:a16="http://schemas.microsoft.com/office/drawing/2014/main" id="{86A0BC33-4BCA-3A72-D51D-5B5BE1601D58}"/>
               </a:ext>
             </a:extLst>
           </p:cNvPr>
@@ -2699,7 +2699,7 @@
           <p:cNvPr id="7" name="灯片编号占位符 6">
             <a:extLst>
               <a:ext uri="{FF2B5EF4-FFF2-40B4-BE49-F238E27FC236}">
-                <a16:creationId xmlns:a16="http://schemas.microsoft.com/office/drawing/2014/main" id="{0635F195-210F-34D2-1363-28F77F6C0781}"/>
+                <a16:creationId xmlns:a16="http://schemas.microsoft.com/office/drawing/2014/main" id="{DBF7C819-5667-5849-555D-6CAB528DB62D}"/>
               </a:ext>
             </a:extLst>
           </p:cNvPr>
@@ -2715,7 +2715,7 @@
           <a:bodyPr/>
           <a:lstStyle/>
           <a:p>
-            <a:fld id="{18357116-D558-4B86-9B25-764EAC8A22C6}" type="slidenum">
+            <a:fld id="{13374049-1F7B-4EFE-9047-ED802F0AA05B}" type="slidenum">
               <a:rPr lang="zh-CN" altLang="en-US" smtClean="0"/>
               <a:t>‹#›</a:t>
             </a:fld>
@@ -2726,7 +2726,7 @@
     </p:spTree>
     <p:extLst>
       <p:ext uri="{BB962C8B-B14F-4D97-AF65-F5344CB8AC3E}">
-        <p14:creationId xmlns:p14="http://schemas.microsoft.com/office/powerpoint/2010/main" val="4129025691"/>
+        <p14:creationId xmlns:p14="http://schemas.microsoft.com/office/powerpoint/2010/main" val="2783751609"/>
       </p:ext>
     </p:extLst>
   </p:cSld>
@@ -2763,7 +2763,7 @@
           <p:cNvPr id="2" name="标题占位符 1">
             <a:extLst>
               <a:ext uri="{FF2B5EF4-FFF2-40B4-BE49-F238E27FC236}">
-                <a16:creationId xmlns:a16="http://schemas.microsoft.com/office/drawing/2014/main" id="{89A3FDE5-59F4-234D-7ED5-40EF536E059F}"/>
+                <a16:creationId xmlns:a16="http://schemas.microsoft.com/office/drawing/2014/main" id="{F7982C7B-CE94-A4E8-7A83-9AFB5CA70FDC}"/>
               </a:ext>
             </a:extLst>
           </p:cNvPr>
@@ -2801,7 +2801,7 @@
           <p:cNvPr id="3" name="文本占位符 2">
             <a:extLst>
               <a:ext uri="{FF2B5EF4-FFF2-40B4-BE49-F238E27FC236}">
-                <a16:creationId xmlns:a16="http://schemas.microsoft.com/office/drawing/2014/main" id="{6D786179-1BCF-D664-F93C-D6D97E0E26B4}"/>
+                <a16:creationId xmlns:a16="http://schemas.microsoft.com/office/drawing/2014/main" id="{CFA53F55-D2B2-A5FF-741C-18CE9AF5D2E2}"/>
               </a:ext>
             </a:extLst>
           </p:cNvPr>
@@ -2868,7 +2868,7 @@
           <p:cNvPr id="4" name="日期占位符 3">
             <a:extLst>
               <a:ext uri="{FF2B5EF4-FFF2-40B4-BE49-F238E27FC236}">
-                <a16:creationId xmlns:a16="http://schemas.microsoft.com/office/drawing/2014/main" id="{FD386E46-9F40-3654-32A4-E54FABC7E1E2}"/>
+                <a16:creationId xmlns:a16="http://schemas.microsoft.com/office/drawing/2014/main" id="{41DDBD1C-C1E4-6E98-22ED-56586DE31542}"/>
               </a:ext>
             </a:extLst>
           </p:cNvPr>
@@ -2902,7 +2902,7 @@
             </a:lvl1pPr>
           </a:lstStyle>
           <a:p>
-            <a:fld id="{AA6EB41C-1555-4178-A3F8-62E1A2A00A27}" type="datetimeFigureOut">
+            <a:fld id="{12316FE8-5C19-4EA4-BB7C-7C3D199BDFFA}" type="datetimeFigureOut">
               <a:rPr lang="zh-CN" altLang="en-US" smtClean="0"/>
               <a:t>2024/3/10</a:t>
             </a:fld>
@@ -2915,7 +2915,7 @@
           <p:cNvPr id="5" name="页脚占位符 4">
             <a:extLst>
               <a:ext uri="{FF2B5EF4-FFF2-40B4-BE49-F238E27FC236}">
-                <a16:creationId xmlns:a16="http://schemas.microsoft.com/office/drawing/2014/main" id="{F898E151-99E7-338C-9B28-CE86823497E6}"/>
+                <a16:creationId xmlns:a16="http://schemas.microsoft.com/office/drawing/2014/main" id="{2A911A11-C1C2-D0D5-D101-95A3EE94D336}"/>
               </a:ext>
             </a:extLst>
           </p:cNvPr>
@@ -2958,7 +2958,7 @@
           <p:cNvPr id="6" name="灯片编号占位符 5">
             <a:extLst>
               <a:ext uri="{FF2B5EF4-FFF2-40B4-BE49-F238E27FC236}">
-                <a16:creationId xmlns:a16="http://schemas.microsoft.com/office/drawing/2014/main" id="{116ACD16-DDB8-985B-4568-AC1502EB7751}"/>
+                <a16:creationId xmlns:a16="http://schemas.microsoft.com/office/drawing/2014/main" id="{CF2E82C2-A164-A3AC-69D4-F725F50F5ED3}"/>
               </a:ext>
             </a:extLst>
           </p:cNvPr>
@@ -2992,7 +2992,7 @@
             </a:lvl1pPr>
           </a:lstStyle>
           <a:p>
-            <a:fld id="{18357116-D558-4B86-9B25-764EAC8A22C6}" type="slidenum">
+            <a:fld id="{13374049-1F7B-4EFE-9047-ED802F0AA05B}" type="slidenum">
               <a:rPr lang="zh-CN" altLang="en-US" smtClean="0"/>
               <a:t>‹#›</a:t>
             </a:fld>
@@ -3003,7 +3003,7 @@
     </p:spTree>
     <p:extLst>
       <p:ext uri="{BB962C8B-B14F-4D97-AF65-F5344CB8AC3E}">
-        <p14:creationId xmlns:p14="http://schemas.microsoft.com/office/powerpoint/2010/main" val="1891908235"/>
+        <p14:creationId xmlns:p14="http://schemas.microsoft.com/office/powerpoint/2010/main" val="2611421207"/>
       </p:ext>
     </p:extLst>
   </p:cSld>
